--- a/Presentations/Chapter 2/Chapter – 2.pptx
+++ b/Presentations/Chapter 2/Chapter – 2.pptx
@@ -9,6 +9,8 @@
     <p:sldId id="257" r:id="rId3"/>
     <p:sldId id="259" r:id="rId4"/>
     <p:sldId id="258" r:id="rId5"/>
+    <p:sldId id="260" r:id="rId6"/>
+    <p:sldId id="261" r:id="rId7"/>
   </p:sldIdLst>
   <p:sldSz cx="12192000" cy="6858000"/>
   <p:notesSz cx="6858000" cy="9144000"/>
@@ -4195,25 +4197,6 @@
       </p:grpSpPr>
       <p:sp>
         <p:nvSpPr>
-          <p:cNvPr id="3" name="Content Placeholder 2"/>
-          <p:cNvSpPr>
-            <a:spLocks noGrp="1"/>
-          </p:cNvSpPr>
-          <p:nvPr>
-            <p:ph idx="1"/>
-          </p:nvPr>
-        </p:nvSpPr>
-        <p:spPr/>
-        <p:txBody>
-          <a:bodyPr/>
-          <a:lstStyle/>
-          <a:p>
-            <a:endParaRPr lang="en-US"/>
-          </a:p>
-        </p:txBody>
-      </p:sp>
-      <p:sp>
-        <p:nvSpPr>
           <p:cNvPr id="6" name="TextBox 5"/>
           <p:cNvSpPr txBox="1"/>
           <p:nvPr/>
@@ -4248,13 +4231,8 @@
             </a:pPr>
             <a:r>
               <a:rPr lang="en-US" dirty="0" smtClean="0"/>
-              <a:t>Use GIT RM </a:t>
-            </a:r>
-            <a:r>
-              <a:rPr lang="en-US" smtClean="0"/>
-              <a:t>to remove a file.</a:t>
-            </a:r>
-            <a:endParaRPr lang="en-US" dirty="0" smtClean="0"/>
+              <a:t>Use GIT RM to remove a file.</a:t>
+            </a:r>
           </a:p>
           <a:p>
             <a:pPr marL="342900" indent="-342900">
@@ -4263,6 +4241,220 @@
             <a:r>
               <a:rPr lang="en-US" dirty="0" smtClean="0"/>
               <a:t>Use GIT ADD for specific file.</a:t>
+            </a:r>
+            <a:endParaRPr lang="en-US" dirty="0"/>
+          </a:p>
+        </p:txBody>
+      </p:sp>
+      <p:pic>
+        <p:nvPicPr>
+          <p:cNvPr id="7" name="Picture 6"/>
+          <p:cNvPicPr>
+            <a:picLocks noChangeAspect="1"/>
+          </p:cNvPicPr>
+          <p:nvPr/>
+        </p:nvPicPr>
+        <p:blipFill>
+          <a:blip r:embed="rId2">
+            <a:extLst>
+              <a:ext uri="{28A0092B-C50C-407E-A947-70E740481C1C}">
+                <a14:useLocalDpi xmlns:a14="http://schemas.microsoft.com/office/drawing/2010/main" val="0"/>
+              </a:ext>
+            </a:extLst>
+          </a:blip>
+          <a:stretch>
+            <a:fillRect/>
+          </a:stretch>
+        </p:blipFill>
+        <p:spPr>
+          <a:xfrm>
+            <a:off x="4394745" y="80085"/>
+            <a:ext cx="7698517" cy="2124371"/>
+          </a:xfrm>
+          <a:prstGeom prst="rect">
+            <a:avLst/>
+          </a:prstGeom>
+        </p:spPr>
+      </p:pic>
+      <p:pic>
+        <p:nvPicPr>
+          <p:cNvPr id="10" name="Picture 9"/>
+          <p:cNvPicPr>
+            <a:picLocks noChangeAspect="1"/>
+          </p:cNvPicPr>
+          <p:nvPr/>
+        </p:nvPicPr>
+        <p:blipFill>
+          <a:blip r:embed="rId3">
+            <a:extLst>
+              <a:ext uri="{28A0092B-C50C-407E-A947-70E740481C1C}">
+                <a14:useLocalDpi xmlns:a14="http://schemas.microsoft.com/office/drawing/2010/main" val="0"/>
+              </a:ext>
+            </a:extLst>
+          </a:blip>
+          <a:stretch>
+            <a:fillRect/>
+          </a:stretch>
+        </p:blipFill>
+        <p:spPr>
+          <a:xfrm>
+            <a:off x="4394745" y="3461621"/>
+            <a:ext cx="7698517" cy="638095"/>
+          </a:xfrm>
+          <a:prstGeom prst="rect">
+            <a:avLst/>
+          </a:prstGeom>
+        </p:spPr>
+      </p:pic>
+      <p:pic>
+        <p:nvPicPr>
+          <p:cNvPr id="12" name="Picture 11"/>
+          <p:cNvPicPr>
+            <a:picLocks noChangeAspect="1"/>
+          </p:cNvPicPr>
+          <p:nvPr/>
+        </p:nvPicPr>
+        <p:blipFill>
+          <a:blip r:embed="rId4">
+            <a:extLst>
+              <a:ext uri="{28A0092B-C50C-407E-A947-70E740481C1C}">
+                <a14:useLocalDpi xmlns:a14="http://schemas.microsoft.com/office/drawing/2010/main" val="0"/>
+              </a:ext>
+            </a:extLst>
+          </a:blip>
+          <a:stretch>
+            <a:fillRect/>
+          </a:stretch>
+        </p:blipFill>
+        <p:spPr>
+          <a:xfrm>
+            <a:off x="4394745" y="2375907"/>
+            <a:ext cx="7698517" cy="1085714"/>
+          </a:xfrm>
+          <a:prstGeom prst="rect">
+            <a:avLst/>
+          </a:prstGeom>
+        </p:spPr>
+      </p:pic>
+      <p:pic>
+        <p:nvPicPr>
+          <p:cNvPr id="13" name="Picture 12"/>
+          <p:cNvPicPr>
+            <a:picLocks noChangeAspect="1"/>
+          </p:cNvPicPr>
+          <p:nvPr/>
+        </p:nvPicPr>
+        <p:blipFill>
+          <a:blip r:embed="rId5">
+            <a:extLst>
+              <a:ext uri="{28A0092B-C50C-407E-A947-70E740481C1C}">
+                <a14:useLocalDpi xmlns:a14="http://schemas.microsoft.com/office/drawing/2010/main" val="0"/>
+              </a:ext>
+            </a:extLst>
+          </a:blip>
+          <a:stretch>
+            <a:fillRect/>
+          </a:stretch>
+        </p:blipFill>
+        <p:spPr>
+          <a:xfrm>
+            <a:off x="4394744" y="4350692"/>
+            <a:ext cx="7698517" cy="2200582"/>
+          </a:xfrm>
+          <a:prstGeom prst="rect">
+            <a:avLst/>
+          </a:prstGeom>
+        </p:spPr>
+      </p:pic>
+      <p:sp>
+        <p:nvSpPr>
+          <p:cNvPr id="14" name="TextBox 13"/>
+          <p:cNvSpPr txBox="1"/>
+          <p:nvPr/>
+        </p:nvSpPr>
+        <p:spPr>
+          <a:xfrm>
+            <a:off x="4074903" y="933457"/>
+            <a:ext cx="359394" cy="369332"/>
+          </a:xfrm>
+          <a:prstGeom prst="rect">
+            <a:avLst/>
+          </a:prstGeom>
+          <a:noFill/>
+        </p:spPr>
+        <p:txBody>
+          <a:bodyPr wrap="none" rtlCol="0">
+            <a:spAutoFit/>
+          </a:bodyPr>
+          <a:lstStyle/>
+          <a:p>
+            <a:r>
+              <a:rPr lang="en-US" dirty="0" smtClean="0"/>
+              <a:t>1.</a:t>
+            </a:r>
+            <a:endParaRPr lang="en-US" dirty="0"/>
+          </a:p>
+        </p:txBody>
+      </p:sp>
+      <p:sp>
+        <p:nvSpPr>
+          <p:cNvPr id="15" name="TextBox 14"/>
+          <p:cNvSpPr txBox="1"/>
+          <p:nvPr/>
+        </p:nvSpPr>
+        <p:spPr>
+          <a:xfrm>
+            <a:off x="4047015" y="2877611"/>
+            <a:ext cx="359394" cy="369332"/>
+          </a:xfrm>
+          <a:prstGeom prst="rect">
+            <a:avLst/>
+          </a:prstGeom>
+          <a:noFill/>
+        </p:spPr>
+        <p:txBody>
+          <a:bodyPr wrap="none" rtlCol="0">
+            <a:spAutoFit/>
+          </a:bodyPr>
+          <a:lstStyle/>
+          <a:p>
+            <a:r>
+              <a:rPr lang="en-US" dirty="0"/>
+              <a:t>2</a:t>
+            </a:r>
+            <a:r>
+              <a:rPr lang="en-US" dirty="0" smtClean="0"/>
+              <a:t>.</a:t>
+            </a:r>
+            <a:endParaRPr lang="en-US" dirty="0"/>
+          </a:p>
+        </p:txBody>
+      </p:sp>
+      <p:sp>
+        <p:nvSpPr>
+          <p:cNvPr id="16" name="TextBox 15"/>
+          <p:cNvSpPr txBox="1"/>
+          <p:nvPr/>
+        </p:nvSpPr>
+        <p:spPr>
+          <a:xfrm>
+            <a:off x="4074903" y="5266317"/>
+            <a:ext cx="359394" cy="369332"/>
+          </a:xfrm>
+          <a:prstGeom prst="rect">
+            <a:avLst/>
+          </a:prstGeom>
+          <a:noFill/>
+        </p:spPr>
+        <p:txBody>
+          <a:bodyPr wrap="none" rtlCol="0">
+            <a:spAutoFit/>
+          </a:bodyPr>
+          <a:lstStyle/>
+          <a:p>
+            <a:r>
+              <a:rPr lang="en-US" dirty="0" smtClean="0"/>
+              <a:t>3.</a:t>
             </a:r>
             <a:endParaRPr lang="en-US" dirty="0"/>
           </a:p>
@@ -4272,6 +4464,319 @@
     <p:extLst>
       <p:ext uri="{BB962C8B-B14F-4D97-AF65-F5344CB8AC3E}">
         <p14:creationId xmlns:p14="http://schemas.microsoft.com/office/powerpoint/2010/main" val="3281143055"/>
+      </p:ext>
+    </p:extLst>
+  </p:cSld>
+  <p:clrMapOvr>
+    <a:masterClrMapping/>
+  </p:clrMapOvr>
+</p:sld>
+</file>
+
+<file path=ppt/slides/slide5.xml><?xml version="1.0" encoding="utf-8"?>
+<p:sld xmlns:a="http://schemas.openxmlformats.org/drawingml/2006/main" xmlns:r="http://schemas.openxmlformats.org/officeDocument/2006/relationships" xmlns:p="http://schemas.openxmlformats.org/presentationml/2006/main">
+  <p:cSld>
+    <p:spTree>
+      <p:nvGrpSpPr>
+        <p:cNvPr id="1" name=""/>
+        <p:cNvGrpSpPr/>
+        <p:nvPr/>
+      </p:nvGrpSpPr>
+      <p:grpSpPr>
+        <a:xfrm>
+          <a:off x="0" y="0"/>
+          <a:ext cx="0" cy="0"/>
+          <a:chOff x="0" y="0"/>
+          <a:chExt cx="0" cy="0"/>
+        </a:xfrm>
+      </p:grpSpPr>
+      <p:sp>
+        <p:nvSpPr>
+          <p:cNvPr id="2" name="Title 1"/>
+          <p:cNvSpPr>
+            <a:spLocks noGrp="1"/>
+          </p:cNvSpPr>
+          <p:nvPr>
+            <p:ph type="title"/>
+          </p:nvPr>
+        </p:nvSpPr>
+        <p:spPr/>
+        <p:txBody>
+          <a:bodyPr/>
+          <a:lstStyle/>
+          <a:p>
+            <a:r>
+              <a:rPr lang="en-US" dirty="0" smtClean="0"/>
+              <a:t>The COMMIT	</a:t>
+            </a:r>
+            <a:endParaRPr lang="en-US" dirty="0"/>
+          </a:p>
+        </p:txBody>
+      </p:sp>
+      <p:sp>
+        <p:nvSpPr>
+          <p:cNvPr id="3" name="Text Placeholder 2"/>
+          <p:cNvSpPr>
+            <a:spLocks noGrp="1"/>
+          </p:cNvSpPr>
+          <p:nvPr>
+            <p:ph type="body" idx="1"/>
+          </p:nvPr>
+        </p:nvSpPr>
+        <p:spPr/>
+        <p:txBody>
+          <a:bodyPr/>
+          <a:lstStyle/>
+          <a:p>
+            <a:r>
+              <a:rPr lang="en-US" dirty="0" smtClean="0"/>
+              <a:t>“Add” command was used to track the files, But to actually push your files to the repository you need to “commit” the changes(files) you added</a:t>
+            </a:r>
+            <a:endParaRPr lang="en-US" dirty="0"/>
+          </a:p>
+        </p:txBody>
+      </p:sp>
+    </p:spTree>
+    <p:extLst>
+      <p:ext uri="{BB962C8B-B14F-4D97-AF65-F5344CB8AC3E}">
+        <p14:creationId xmlns:p14="http://schemas.microsoft.com/office/powerpoint/2010/main" val="3175166977"/>
+      </p:ext>
+    </p:extLst>
+  </p:cSld>
+  <p:clrMapOvr>
+    <a:masterClrMapping/>
+  </p:clrMapOvr>
+</p:sld>
+</file>
+
+<file path=ppt/slides/slide6.xml><?xml version="1.0" encoding="utf-8"?>
+<p:sld xmlns:a="http://schemas.openxmlformats.org/drawingml/2006/main" xmlns:r="http://schemas.openxmlformats.org/officeDocument/2006/relationships" xmlns:p="http://schemas.openxmlformats.org/presentationml/2006/main">
+  <p:cSld>
+    <p:spTree>
+      <p:nvGrpSpPr>
+        <p:cNvPr id="1" name=""/>
+        <p:cNvGrpSpPr/>
+        <p:nvPr/>
+      </p:nvGrpSpPr>
+      <p:grpSpPr>
+        <a:xfrm>
+          <a:off x="0" y="0"/>
+          <a:ext cx="0" cy="0"/>
+          <a:chOff x="0" y="0"/>
+          <a:chExt cx="0" cy="0"/>
+        </a:xfrm>
+      </p:grpSpPr>
+      <p:sp>
+        <p:nvSpPr>
+          <p:cNvPr id="5" name="TextBox 4"/>
+          <p:cNvSpPr txBox="1"/>
+          <p:nvPr/>
+        </p:nvSpPr>
+        <p:spPr>
+          <a:xfrm>
+            <a:off x="103031" y="218941"/>
+            <a:ext cx="3670479" cy="5355312"/>
+          </a:xfrm>
+          <a:prstGeom prst="rect">
+            <a:avLst/>
+          </a:prstGeom>
+          <a:noFill/>
+        </p:spPr>
+        <p:txBody>
+          <a:bodyPr wrap="square" rtlCol="0">
+            <a:spAutoFit/>
+          </a:bodyPr>
+          <a:lstStyle/>
+          <a:p>
+            <a:pPr marL="342900" indent="-342900">
+              <a:buAutoNum type="arabicPeriod"/>
+            </a:pPr>
+            <a:r>
+              <a:rPr lang="en-US" dirty="0" smtClean="0"/>
+              <a:t>Use “Commit” with a message (-m) , message is used so that you can check back later, why you committed at this stage.</a:t>
+            </a:r>
+          </a:p>
+          <a:p>
+            <a:pPr marL="342900" indent="-342900">
+              <a:buAutoNum type="arabicPeriod"/>
+            </a:pPr>
+            <a:endParaRPr lang="en-US" dirty="0" smtClean="0"/>
+          </a:p>
+          <a:p>
+            <a:pPr marL="342900" indent="-342900">
+              <a:buAutoNum type="arabicPeriod"/>
+            </a:pPr>
+            <a:r>
+              <a:rPr lang="en-US" dirty="0" smtClean="0"/>
+              <a:t>Check log to see your committed changes.</a:t>
+            </a:r>
+          </a:p>
+          <a:p>
+            <a:pPr marL="342900" indent="-342900">
+              <a:buAutoNum type="arabicPeriod"/>
+            </a:pPr>
+            <a:endParaRPr lang="en-US" dirty="0" smtClean="0"/>
+          </a:p>
+          <a:p>
+            <a:pPr marL="342900" indent="-342900">
+              <a:buAutoNum type="arabicPeriod"/>
+            </a:pPr>
+            <a:r>
+              <a:rPr lang="en-US" dirty="0" smtClean="0"/>
+              <a:t>Modify a file in </a:t>
+            </a:r>
+            <a:r>
+              <a:rPr lang="en-US" dirty="0"/>
+              <a:t>y</a:t>
+            </a:r>
+            <a:r>
+              <a:rPr lang="en-US" dirty="0" smtClean="0"/>
+              <a:t>our repository.</a:t>
+            </a:r>
+          </a:p>
+          <a:p>
+            <a:pPr marL="342900" indent="-342900">
+              <a:buAutoNum type="arabicPeriod"/>
+            </a:pPr>
+            <a:endParaRPr lang="en-US" dirty="0"/>
+          </a:p>
+          <a:p>
+            <a:pPr marL="342900" indent="-342900">
+              <a:buAutoNum type="arabicPeriod"/>
+            </a:pPr>
+            <a:r>
+              <a:rPr lang="en-US" dirty="0" smtClean="0"/>
+              <a:t>See the status, and commit the changes.</a:t>
+            </a:r>
+          </a:p>
+          <a:p>
+            <a:pPr marL="342900" indent="-342900">
+              <a:buAutoNum type="arabicPeriod"/>
+            </a:pPr>
+            <a:endParaRPr lang="en-US" dirty="0" smtClean="0"/>
+          </a:p>
+          <a:p>
+            <a:pPr marL="342900" indent="-342900">
+              <a:buAutoNum type="arabicPeriod"/>
+            </a:pPr>
+            <a:r>
+              <a:rPr lang="en-US" dirty="0" smtClean="0"/>
+              <a:t>Repeat the above steps : First ADD and then Commit, Remember you cannot commit until you ADD </a:t>
+            </a:r>
+            <a:r>
+              <a:rPr lang="en-US" smtClean="0"/>
+              <a:t>the change. </a:t>
+            </a:r>
+            <a:endParaRPr lang="en-US" dirty="0" smtClean="0"/>
+          </a:p>
+          <a:p>
+            <a:pPr marL="342900" indent="-342900">
+              <a:buAutoNum type="arabicPeriod"/>
+            </a:pPr>
+            <a:endParaRPr lang="en-US" dirty="0" smtClean="0"/>
+          </a:p>
+          <a:p>
+            <a:pPr marL="342900" indent="-342900">
+              <a:buAutoNum type="arabicPeriod"/>
+            </a:pPr>
+            <a:endParaRPr lang="en-US" dirty="0"/>
+          </a:p>
+        </p:txBody>
+      </p:sp>
+      <p:pic>
+        <p:nvPicPr>
+          <p:cNvPr id="6" name="Picture 5"/>
+          <p:cNvPicPr>
+            <a:picLocks noChangeAspect="1"/>
+          </p:cNvPicPr>
+          <p:nvPr/>
+        </p:nvPicPr>
+        <p:blipFill>
+          <a:blip r:embed="rId2">
+            <a:extLst>
+              <a:ext uri="{28A0092B-C50C-407E-A947-70E740481C1C}">
+                <a14:useLocalDpi xmlns:a14="http://schemas.microsoft.com/office/drawing/2010/main" val="0"/>
+              </a:ext>
+            </a:extLst>
+          </a:blip>
+          <a:stretch>
+            <a:fillRect/>
+          </a:stretch>
+        </p:blipFill>
+        <p:spPr>
+          <a:xfrm>
+            <a:off x="4293655" y="103031"/>
+            <a:ext cx="7773849" cy="1184856"/>
+          </a:xfrm>
+          <a:prstGeom prst="rect">
+            <a:avLst/>
+          </a:prstGeom>
+        </p:spPr>
+      </p:pic>
+      <p:pic>
+        <p:nvPicPr>
+          <p:cNvPr id="7" name="Picture 6"/>
+          <p:cNvPicPr>
+            <a:picLocks noChangeAspect="1"/>
+          </p:cNvPicPr>
+          <p:nvPr/>
+        </p:nvPicPr>
+        <p:blipFill>
+          <a:blip r:embed="rId3">
+            <a:extLst>
+              <a:ext uri="{28A0092B-C50C-407E-A947-70E740481C1C}">
+                <a14:useLocalDpi xmlns:a14="http://schemas.microsoft.com/office/drawing/2010/main" val="0"/>
+              </a:ext>
+            </a:extLst>
+          </a:blip>
+          <a:stretch>
+            <a:fillRect/>
+          </a:stretch>
+        </p:blipFill>
+        <p:spPr>
+          <a:xfrm>
+            <a:off x="4293654" y="1639221"/>
+            <a:ext cx="7773849" cy="1361555"/>
+          </a:xfrm>
+          <a:prstGeom prst="rect">
+            <a:avLst/>
+          </a:prstGeom>
+        </p:spPr>
+      </p:pic>
+      <p:pic>
+        <p:nvPicPr>
+          <p:cNvPr id="8" name="Picture 7"/>
+          <p:cNvPicPr>
+            <a:picLocks noChangeAspect="1"/>
+          </p:cNvPicPr>
+          <p:nvPr/>
+        </p:nvPicPr>
+        <p:blipFill>
+          <a:blip r:embed="rId4">
+            <a:extLst>
+              <a:ext uri="{28A0092B-C50C-407E-A947-70E740481C1C}">
+                <a14:useLocalDpi xmlns:a14="http://schemas.microsoft.com/office/drawing/2010/main" val="0"/>
+              </a:ext>
+            </a:extLst>
+          </a:blip>
+          <a:stretch>
+            <a:fillRect/>
+          </a:stretch>
+        </p:blipFill>
+        <p:spPr>
+          <a:xfrm>
+            <a:off x="4293654" y="3235322"/>
+            <a:ext cx="7773849" cy="1504103"/>
+          </a:xfrm>
+          <a:prstGeom prst="rect">
+            <a:avLst/>
+          </a:prstGeom>
+        </p:spPr>
+      </p:pic>
+    </p:spTree>
+    <p:extLst>
+      <p:ext uri="{BB962C8B-B14F-4D97-AF65-F5344CB8AC3E}">
+        <p14:creationId xmlns:p14="http://schemas.microsoft.com/office/powerpoint/2010/main" val="3929548082"/>
       </p:ext>
     </p:extLst>
   </p:cSld>

--- a/Presentations/Chapter 2/Chapter – 2.pptx
+++ b/Presentations/Chapter 2/Chapter – 2.pptx
@@ -11,6 +11,7 @@
     <p:sldId id="258" r:id="rId5"/>
     <p:sldId id="260" r:id="rId6"/>
     <p:sldId id="261" r:id="rId7"/>
+    <p:sldId id="262" r:id="rId8"/>
   </p:sldIdLst>
   <p:sldSz cx="12192000" cy="6858000"/>
   <p:notesSz cx="6858000" cy="9144000"/>
@@ -4204,7 +4205,7 @@
         <p:spPr>
           <a:xfrm>
             <a:off x="0" y="218941"/>
-            <a:ext cx="3953814" cy="923330"/>
+            <a:ext cx="3953814" cy="4524315"/>
           </a:xfrm>
           <a:prstGeom prst="rect">
             <a:avLst/>
@@ -4221,7 +4222,11 @@
               <a:buAutoNum type="arabicPeriod"/>
             </a:pPr>
             <a:r>
-              <a:rPr lang="en-US" dirty="0" smtClean="0"/>
+              <a:rPr lang="en-US" sz="3600" dirty="0" smtClean="0">
+                <a:solidFill>
+                  <a:schemeClr val="bg1"/>
+                </a:solidFill>
+              </a:rPr>
               <a:t>Use GIT ADD for all.</a:t>
             </a:r>
           </a:p>
@@ -4229,20 +4234,52 @@
             <a:pPr marL="342900" indent="-342900">
               <a:buAutoNum type="arabicPeriod"/>
             </a:pPr>
-            <a:r>
-              <a:rPr lang="en-US" dirty="0" smtClean="0"/>
-              <a:t>Use GIT RM to remove a file.</a:t>
-            </a:r>
+            <a:endParaRPr lang="en-US" sz="3600" dirty="0" smtClean="0">
+              <a:solidFill>
+                <a:schemeClr val="bg1"/>
+              </a:solidFill>
+            </a:endParaRPr>
           </a:p>
           <a:p>
             <a:pPr marL="342900" indent="-342900">
               <a:buAutoNum type="arabicPeriod"/>
             </a:pPr>
             <a:r>
-              <a:rPr lang="en-US" dirty="0" smtClean="0"/>
+              <a:rPr lang="en-US" sz="3600" dirty="0" smtClean="0">
+                <a:solidFill>
+                  <a:schemeClr val="bg1"/>
+                </a:solidFill>
+              </a:rPr>
+              <a:t>Use GIT RM to remove a file.</a:t>
+            </a:r>
+          </a:p>
+          <a:p>
+            <a:pPr marL="342900" indent="-342900">
+              <a:buAutoNum type="arabicPeriod"/>
+            </a:pPr>
+            <a:endParaRPr lang="en-US" sz="3600" dirty="0" smtClean="0">
+              <a:solidFill>
+                <a:schemeClr val="bg1"/>
+              </a:solidFill>
+            </a:endParaRPr>
+          </a:p>
+          <a:p>
+            <a:pPr marL="342900" indent="-342900">
+              <a:buAutoNum type="arabicPeriod"/>
+            </a:pPr>
+            <a:r>
+              <a:rPr lang="en-US" sz="3600" dirty="0" smtClean="0">
+                <a:solidFill>
+                  <a:schemeClr val="bg1"/>
+                </a:solidFill>
+              </a:rPr>
               <a:t>Use GIT ADD for specific file.</a:t>
             </a:r>
-            <a:endParaRPr lang="en-US" dirty="0"/>
+            <a:endParaRPr lang="en-US" sz="3600" dirty="0">
+              <a:solidFill>
+                <a:schemeClr val="bg1"/>
+              </a:solidFill>
+            </a:endParaRPr>
           </a:p>
         </p:txBody>
       </p:sp>
@@ -4575,7 +4612,7 @@
         <p:spPr>
           <a:xfrm>
             <a:off x="103031" y="218941"/>
-            <a:ext cx="3670479" cy="5355312"/>
+            <a:ext cx="3670479" cy="7109639"/>
           </a:xfrm>
           <a:prstGeom prst="rect">
             <a:avLst/>
@@ -4592,7 +4629,11 @@
               <a:buAutoNum type="arabicPeriod"/>
             </a:pPr>
             <a:r>
-              <a:rPr lang="en-US" dirty="0" smtClean="0"/>
+              <a:rPr lang="en-US" sz="2100" dirty="0" smtClean="0">
+                <a:solidFill>
+                  <a:schemeClr val="bg1"/>
+                </a:solidFill>
+              </a:rPr>
               <a:t>Use “Commit” with a message (-m) , message is used so that you can check back later, why you committed at this stage.</a:t>
             </a:r>
           </a:p>
@@ -4600,14 +4641,22 @@
             <a:pPr marL="342900" indent="-342900">
               <a:buAutoNum type="arabicPeriod"/>
             </a:pPr>
-            <a:endParaRPr lang="en-US" dirty="0" smtClean="0"/>
+            <a:endParaRPr lang="en-US" sz="2100" dirty="0" smtClean="0">
+              <a:solidFill>
+                <a:schemeClr val="bg1"/>
+              </a:solidFill>
+            </a:endParaRPr>
           </a:p>
           <a:p>
             <a:pPr marL="342900" indent="-342900">
               <a:buAutoNum type="arabicPeriod"/>
             </a:pPr>
             <a:r>
-              <a:rPr lang="en-US" dirty="0" smtClean="0"/>
+              <a:rPr lang="en-US" sz="2100" dirty="0" smtClean="0">
+                <a:solidFill>
+                  <a:schemeClr val="bg1"/>
+                </a:solidFill>
+              </a:rPr>
               <a:t>Check log to see your committed changes.</a:t>
             </a:r>
           </a:p>
@@ -4615,22 +4664,38 @@
             <a:pPr marL="342900" indent="-342900">
               <a:buAutoNum type="arabicPeriod"/>
             </a:pPr>
-            <a:endParaRPr lang="en-US" dirty="0" smtClean="0"/>
+            <a:endParaRPr lang="en-US" sz="2100" dirty="0" smtClean="0">
+              <a:solidFill>
+                <a:schemeClr val="bg1"/>
+              </a:solidFill>
+            </a:endParaRPr>
           </a:p>
           <a:p>
             <a:pPr marL="342900" indent="-342900">
               <a:buAutoNum type="arabicPeriod"/>
             </a:pPr>
             <a:r>
-              <a:rPr lang="en-US" dirty="0" smtClean="0"/>
+              <a:rPr lang="en-US" sz="2100" dirty="0" smtClean="0">
+                <a:solidFill>
+                  <a:schemeClr val="bg1"/>
+                </a:solidFill>
+              </a:rPr>
               <a:t>Modify a file in </a:t>
             </a:r>
             <a:r>
-              <a:rPr lang="en-US" dirty="0"/>
+              <a:rPr lang="en-US" sz="2100" dirty="0">
+                <a:solidFill>
+                  <a:schemeClr val="bg1"/>
+                </a:solidFill>
+              </a:rPr>
               <a:t>y</a:t>
             </a:r>
             <a:r>
-              <a:rPr lang="en-US" dirty="0" smtClean="0"/>
+              <a:rPr lang="en-US" sz="2100" dirty="0" smtClean="0">
+                <a:solidFill>
+                  <a:schemeClr val="bg1"/>
+                </a:solidFill>
+              </a:rPr>
               <a:t>our repository.</a:t>
             </a:r>
           </a:p>
@@ -4638,14 +4703,22 @@
             <a:pPr marL="342900" indent="-342900">
               <a:buAutoNum type="arabicPeriod"/>
             </a:pPr>
-            <a:endParaRPr lang="en-US" dirty="0"/>
+            <a:endParaRPr lang="en-US" sz="2100" dirty="0">
+              <a:solidFill>
+                <a:schemeClr val="bg1"/>
+              </a:solidFill>
+            </a:endParaRPr>
           </a:p>
           <a:p>
             <a:pPr marL="342900" indent="-342900">
               <a:buAutoNum type="arabicPeriod"/>
             </a:pPr>
             <a:r>
-              <a:rPr lang="en-US" dirty="0" smtClean="0"/>
+              <a:rPr lang="en-US" sz="2100" dirty="0" smtClean="0">
+                <a:solidFill>
+                  <a:schemeClr val="bg1"/>
+                </a:solidFill>
+              </a:rPr>
               <a:t>See the status, and commit the changes.</a:t>
             </a:r>
           </a:p>
@@ -4653,21 +4726,24 @@
             <a:pPr marL="342900" indent="-342900">
               <a:buAutoNum type="arabicPeriod"/>
             </a:pPr>
-            <a:endParaRPr lang="en-US" dirty="0" smtClean="0"/>
+            <a:endParaRPr lang="en-US" sz="2100" dirty="0" smtClean="0">
+              <a:solidFill>
+                <a:schemeClr val="bg1"/>
+              </a:solidFill>
+            </a:endParaRPr>
           </a:p>
           <a:p>
             <a:pPr marL="342900" indent="-342900">
               <a:buAutoNum type="arabicPeriod"/>
             </a:pPr>
             <a:r>
-              <a:rPr lang="en-US" dirty="0" smtClean="0"/>
-              <a:t>Repeat the above steps : First ADD and then Commit, Remember you cannot commit until you ADD </a:t>
-            </a:r>
-            <a:r>
-              <a:rPr lang="en-US" smtClean="0"/>
-              <a:t>the change. </a:t>
-            </a:r>
-            <a:endParaRPr lang="en-US" dirty="0" smtClean="0"/>
+              <a:rPr lang="en-US" sz="2100" dirty="0" smtClean="0">
+                <a:solidFill>
+                  <a:schemeClr val="bg1"/>
+                </a:solidFill>
+              </a:rPr>
+              <a:t>Repeat the above steps : First ADD and then Commit, Remember you cannot commit until you ADD the change. </a:t>
+            </a:r>
           </a:p>
           <a:p>
             <a:pPr marL="342900" indent="-342900">
@@ -4773,10 +4849,281 @@
           </a:prstGeom>
         </p:spPr>
       </p:pic>
+      <p:pic>
+        <p:nvPicPr>
+          <p:cNvPr id="9" name="Picture 8"/>
+          <p:cNvPicPr>
+            <a:picLocks noChangeAspect="1"/>
+          </p:cNvPicPr>
+          <p:nvPr/>
+        </p:nvPicPr>
+        <p:blipFill>
+          <a:blip r:embed="rId5">
+            <a:extLst>
+              <a:ext uri="{28A0092B-C50C-407E-A947-70E740481C1C}">
+                <a14:useLocalDpi xmlns:a14="http://schemas.microsoft.com/office/drawing/2010/main" val="0"/>
+              </a:ext>
+            </a:extLst>
+          </a:blip>
+          <a:stretch>
+            <a:fillRect/>
+          </a:stretch>
+        </p:blipFill>
+        <p:spPr>
+          <a:xfrm>
+            <a:off x="4293653" y="4925180"/>
+            <a:ext cx="7773849" cy="590632"/>
+          </a:xfrm>
+          <a:prstGeom prst="rect">
+            <a:avLst/>
+          </a:prstGeom>
+        </p:spPr>
+      </p:pic>
+      <p:pic>
+        <p:nvPicPr>
+          <p:cNvPr id="10" name="Picture 9"/>
+          <p:cNvPicPr>
+            <a:picLocks noChangeAspect="1"/>
+          </p:cNvPicPr>
+          <p:nvPr/>
+        </p:nvPicPr>
+        <p:blipFill>
+          <a:blip r:embed="rId6">
+            <a:extLst>
+              <a:ext uri="{28A0092B-C50C-407E-A947-70E740481C1C}">
+                <a14:useLocalDpi xmlns:a14="http://schemas.microsoft.com/office/drawing/2010/main" val="0"/>
+              </a:ext>
+            </a:extLst>
+          </a:blip>
+          <a:stretch>
+            <a:fillRect/>
+          </a:stretch>
+        </p:blipFill>
+        <p:spPr>
+          <a:xfrm>
+            <a:off x="4293653" y="5515812"/>
+            <a:ext cx="7773849" cy="704948"/>
+          </a:xfrm>
+          <a:prstGeom prst="rect">
+            <a:avLst/>
+          </a:prstGeom>
+        </p:spPr>
+      </p:pic>
+      <p:sp>
+        <p:nvSpPr>
+          <p:cNvPr id="11" name="TextBox 10"/>
+          <p:cNvSpPr txBox="1"/>
+          <p:nvPr/>
+        </p:nvSpPr>
+        <p:spPr>
+          <a:xfrm>
+            <a:off x="4002429" y="2076938"/>
+            <a:ext cx="360607" cy="369332"/>
+          </a:xfrm>
+          <a:prstGeom prst="rect">
+            <a:avLst/>
+          </a:prstGeom>
+          <a:noFill/>
+        </p:spPr>
+        <p:txBody>
+          <a:bodyPr wrap="square" rtlCol="0">
+            <a:spAutoFit/>
+          </a:bodyPr>
+          <a:lstStyle/>
+          <a:p>
+            <a:r>
+              <a:rPr lang="en-US" dirty="0"/>
+              <a:t>2</a:t>
+            </a:r>
+            <a:r>
+              <a:rPr lang="en-US" dirty="0" smtClean="0"/>
+              <a:t>.</a:t>
+            </a:r>
+            <a:endParaRPr lang="en-US" dirty="0"/>
+          </a:p>
+        </p:txBody>
+      </p:sp>
+      <p:sp>
+        <p:nvSpPr>
+          <p:cNvPr id="12" name="TextBox 11"/>
+          <p:cNvSpPr txBox="1"/>
+          <p:nvPr/>
+        </p:nvSpPr>
+        <p:spPr>
+          <a:xfrm>
+            <a:off x="4012407" y="564941"/>
+            <a:ext cx="360607" cy="369332"/>
+          </a:xfrm>
+          <a:prstGeom prst="rect">
+            <a:avLst/>
+          </a:prstGeom>
+          <a:noFill/>
+        </p:spPr>
+        <p:txBody>
+          <a:bodyPr wrap="square" rtlCol="0">
+            <a:spAutoFit/>
+          </a:bodyPr>
+          <a:lstStyle/>
+          <a:p>
+            <a:r>
+              <a:rPr lang="en-US" dirty="0" smtClean="0"/>
+              <a:t>1.</a:t>
+            </a:r>
+            <a:endParaRPr lang="en-US" dirty="0"/>
+          </a:p>
+        </p:txBody>
+      </p:sp>
+      <p:sp>
+        <p:nvSpPr>
+          <p:cNvPr id="13" name="TextBox 12"/>
+          <p:cNvSpPr txBox="1"/>
+          <p:nvPr/>
+        </p:nvSpPr>
+        <p:spPr>
+          <a:xfrm>
+            <a:off x="4012407" y="3689189"/>
+            <a:ext cx="360607" cy="369332"/>
+          </a:xfrm>
+          <a:prstGeom prst="rect">
+            <a:avLst/>
+          </a:prstGeom>
+          <a:noFill/>
+        </p:spPr>
+        <p:txBody>
+          <a:bodyPr wrap="square" rtlCol="0">
+            <a:spAutoFit/>
+          </a:bodyPr>
+          <a:lstStyle/>
+          <a:p>
+            <a:r>
+              <a:rPr lang="en-US" dirty="0" smtClean="0"/>
+              <a:t>3.</a:t>
+            </a:r>
+            <a:endParaRPr lang="en-US" dirty="0"/>
+          </a:p>
+        </p:txBody>
+      </p:sp>
+      <p:sp>
+        <p:nvSpPr>
+          <p:cNvPr id="14" name="TextBox 13"/>
+          <p:cNvSpPr txBox="1"/>
+          <p:nvPr/>
+        </p:nvSpPr>
+        <p:spPr>
+          <a:xfrm>
+            <a:off x="4012407" y="5243172"/>
+            <a:ext cx="360607" cy="369332"/>
+          </a:xfrm>
+          <a:prstGeom prst="rect">
+            <a:avLst/>
+          </a:prstGeom>
+          <a:noFill/>
+        </p:spPr>
+        <p:txBody>
+          <a:bodyPr wrap="square" rtlCol="0">
+            <a:spAutoFit/>
+          </a:bodyPr>
+          <a:lstStyle/>
+          <a:p>
+            <a:r>
+              <a:rPr lang="en-US" dirty="0"/>
+              <a:t>4</a:t>
+            </a:r>
+            <a:r>
+              <a:rPr lang="en-US" dirty="0" smtClean="0"/>
+              <a:t>.</a:t>
+            </a:r>
+            <a:endParaRPr lang="en-US" dirty="0"/>
+          </a:p>
+        </p:txBody>
+      </p:sp>
     </p:spTree>
     <p:extLst>
       <p:ext uri="{BB962C8B-B14F-4D97-AF65-F5344CB8AC3E}">
         <p14:creationId xmlns:p14="http://schemas.microsoft.com/office/powerpoint/2010/main" val="3929548082"/>
+      </p:ext>
+    </p:extLst>
+  </p:cSld>
+  <p:clrMapOvr>
+    <a:masterClrMapping/>
+  </p:clrMapOvr>
+</p:sld>
+</file>
+
+<file path=ppt/slides/slide7.xml><?xml version="1.0" encoding="utf-8"?>
+<p:sld xmlns:a="http://schemas.openxmlformats.org/drawingml/2006/main" xmlns:r="http://schemas.openxmlformats.org/officeDocument/2006/relationships" xmlns:p="http://schemas.openxmlformats.org/presentationml/2006/main">
+  <p:cSld>
+    <p:spTree>
+      <p:nvGrpSpPr>
+        <p:cNvPr id="1" name=""/>
+        <p:cNvGrpSpPr/>
+        <p:nvPr/>
+      </p:nvGrpSpPr>
+      <p:grpSpPr>
+        <a:xfrm>
+          <a:off x="0" y="0"/>
+          <a:ext cx="0" cy="0"/>
+          <a:chOff x="0" y="0"/>
+          <a:chExt cx="0" cy="0"/>
+        </a:xfrm>
+      </p:grpSpPr>
+      <p:sp>
+        <p:nvSpPr>
+          <p:cNvPr id="2" name="Title 1"/>
+          <p:cNvSpPr>
+            <a:spLocks noGrp="1"/>
+          </p:cNvSpPr>
+          <p:nvPr>
+            <p:ph type="title"/>
+          </p:nvPr>
+        </p:nvSpPr>
+        <p:spPr/>
+        <p:txBody>
+          <a:bodyPr/>
+          <a:lstStyle/>
+          <a:p>
+            <a:r>
+              <a:rPr lang="en-US" dirty="0" smtClean="0"/>
+              <a:t>See the GIT LOG</a:t>
+            </a:r>
+            <a:endParaRPr lang="en-US" dirty="0"/>
+          </a:p>
+        </p:txBody>
+      </p:sp>
+      <p:pic>
+        <p:nvPicPr>
+          <p:cNvPr id="5" name="Picture 4"/>
+          <p:cNvPicPr>
+            <a:picLocks noChangeAspect="1"/>
+          </p:cNvPicPr>
+          <p:nvPr/>
+        </p:nvPicPr>
+        <p:blipFill>
+          <a:blip r:embed="rId2">
+            <a:extLst>
+              <a:ext uri="{28A0092B-C50C-407E-A947-70E740481C1C}">
+                <a14:useLocalDpi xmlns:a14="http://schemas.microsoft.com/office/drawing/2010/main" val="0"/>
+              </a:ext>
+            </a:extLst>
+          </a:blip>
+          <a:stretch>
+            <a:fillRect/>
+          </a:stretch>
+        </p:blipFill>
+        <p:spPr>
+          <a:xfrm>
+            <a:off x="4562700" y="1332455"/>
+            <a:ext cx="7292345" cy="3239545"/>
+          </a:xfrm>
+          <a:prstGeom prst="rect">
+            <a:avLst/>
+          </a:prstGeom>
+        </p:spPr>
+      </p:pic>
+    </p:spTree>
+    <p:extLst>
+      <p:ext uri="{BB962C8B-B14F-4D97-AF65-F5344CB8AC3E}">
+        <p14:creationId xmlns:p14="http://schemas.microsoft.com/office/powerpoint/2010/main" val="3583181723"/>
       </p:ext>
     </p:extLst>
   </p:cSld>
